--- a/开源框架/Glide.pptx
+++ b/开源框架/Glide.pptx
@@ -3016,7 +3016,7 @@
               <a:rPr lang="zh-CN" altLang="en-US">
                 <a:sym typeface="+mn-ea"/>
               </a:rPr>
-              <a:t>根据请求封装成缓存键，发起请求，首先从ActivateResource获取，是个值为若引用的</a:t>
+              <a:t>根据请求封装成缓存键，发起请求，首先从ActivateResource获取，是个值为弱引用的</a:t>
             </a:r>
             <a:r>
               <a:rPr lang="en-US" altLang="zh-CN">
